--- a/407411387_黃薇.pptx
+++ b/407411387_黃薇.pptx
@@ -6,12 +6,13 @@
   </p:sldMasterIdLst>
   <p:sldIdLst>
     <p:sldId id="256" r:id="rId2"/>
-    <p:sldId id="257" r:id="rId3"/>
-    <p:sldId id="258" r:id="rId4"/>
-    <p:sldId id="259" r:id="rId5"/>
-    <p:sldId id="260" r:id="rId6"/>
-    <p:sldId id="261" r:id="rId7"/>
-    <p:sldId id="262" r:id="rId8"/>
+    <p:sldId id="263" r:id="rId3"/>
+    <p:sldId id="257" r:id="rId4"/>
+    <p:sldId id="258" r:id="rId5"/>
+    <p:sldId id="259" r:id="rId6"/>
+    <p:sldId id="260" r:id="rId7"/>
+    <p:sldId id="261" r:id="rId8"/>
+    <p:sldId id="262" r:id="rId9"/>
   </p:sldIdLst>
   <p:sldSz cx="12192000" cy="6858000"/>
   <p:notesSz cx="6858000" cy="9144000"/>
@@ -110,6 +111,11 @@
       </a:defRPr>
     </a:lvl9pPr>
   </p:defaultTextStyle>
+  <p:extLst>
+    <p:ext uri="{EFAFB233-063F-42B5-8137-9DF3F51BA10A}">
+      <p15:sldGuideLst xmlns:p15="http://schemas.microsoft.com/office/powerpoint/2012/main"/>
+    </p:ext>
+  </p:extLst>
 </p:presentation>
 </file>
 
@@ -208,7 +214,7 @@
           <a:effectLst/>
           <a:extLst>
             <a:ext uri="{91240B29-F687-4f45-9708-019B960494DF}">
-              <a14:hiddenLine xmlns:a14="http://schemas.microsoft.com/office/drawing/2010/main" xmlns="" w="9525">
+              <a14:hiddenLine xmlns="" xmlns:a14="http://schemas.microsoft.com/office/drawing/2010/main" w="9525">
                 <a:solidFill>
                   <a:srgbClr val="000000"/>
                 </a:solidFill>
@@ -1730,7 +1736,7 @@
           <a:ln/>
           <a:extLst>
             <a:ext uri="{91240B29-F687-4f45-9708-019B960494DF}">
-              <a14:hiddenLine xmlns:a14="http://schemas.microsoft.com/office/drawing/2010/main" xmlns="" w="9525">
+              <a14:hiddenLine xmlns="" xmlns:a14="http://schemas.microsoft.com/office/drawing/2010/main" w="9525">
                 <a:solidFill>
                   <a:srgbClr val="000000"/>
                 </a:solidFill>
@@ -2005,7 +2011,7 @@
           <a:ln/>
           <a:extLst>
             <a:ext uri="{91240B29-F687-4f45-9708-019B960494DF}">
-              <a14:hiddenLine xmlns:a14="http://schemas.microsoft.com/office/drawing/2010/main" xmlns="" w="9525">
+              <a14:hiddenLine xmlns="" xmlns:a14="http://schemas.microsoft.com/office/drawing/2010/main" w="9525">
                 <a:solidFill>
                   <a:srgbClr val="000000"/>
                 </a:solidFill>
@@ -2288,7 +2294,7 @@
           <a:ln/>
           <a:extLst>
             <a:ext uri="{91240B29-F687-4f45-9708-019B960494DF}">
-              <a14:hiddenLine xmlns:a14="http://schemas.microsoft.com/office/drawing/2010/main" xmlns="" w="9525">
+              <a14:hiddenLine xmlns="" xmlns:a14="http://schemas.microsoft.com/office/drawing/2010/main" w="9525">
                 <a:solidFill>
                   <a:srgbClr val="000000"/>
                 </a:solidFill>
@@ -2914,7 +2920,7 @@
           <a:ln/>
           <a:extLst>
             <a:ext uri="{91240B29-F687-4f45-9708-019B960494DF}">
-              <a14:hiddenLine xmlns:a14="http://schemas.microsoft.com/office/drawing/2010/main" xmlns="" w="9525">
+              <a14:hiddenLine xmlns="" xmlns:a14="http://schemas.microsoft.com/office/drawing/2010/main" w="9525">
                 <a:solidFill>
                   <a:srgbClr val="000000"/>
                 </a:solidFill>
@@ -3253,7 +3259,7 @@
           <a:ln/>
           <a:extLst>
             <a:ext uri="{91240B29-F687-4f45-9708-019B960494DF}">
-              <a14:hiddenLine xmlns:a14="http://schemas.microsoft.com/office/drawing/2010/main" xmlns="" w="9525">
+              <a14:hiddenLine xmlns="" xmlns:a14="http://schemas.microsoft.com/office/drawing/2010/main" w="9525">
                 <a:solidFill>
                   <a:srgbClr val="000000"/>
                 </a:solidFill>
@@ -3730,7 +3736,7 @@
           <a:ln/>
           <a:extLst>
             <a:ext uri="{91240B29-F687-4f45-9708-019B960494DF}">
-              <a14:hiddenLine xmlns:a14="http://schemas.microsoft.com/office/drawing/2010/main" xmlns="" w="9525">
+              <a14:hiddenLine xmlns="" xmlns:a14="http://schemas.microsoft.com/office/drawing/2010/main" w="9525">
                 <a:solidFill>
                   <a:srgbClr val="000000"/>
                 </a:solidFill>
@@ -4159,7 +4165,7 @@
           <a:ln/>
           <a:extLst>
             <a:ext uri="{91240B29-F687-4f45-9708-019B960494DF}">
-              <a14:hiddenLine xmlns:a14="http://schemas.microsoft.com/office/drawing/2010/main" xmlns="" w="9525">
+              <a14:hiddenLine xmlns="" xmlns:a14="http://schemas.microsoft.com/office/drawing/2010/main" w="9525">
                 <a:solidFill>
                   <a:srgbClr val="000000"/>
                 </a:solidFill>
@@ -5543,6 +5549,451 @@
           <a:lstStyle/>
           <a:p>
             <a:r>
+              <a:rPr lang="zh-CN" altLang="en-US" sz="4000" dirty="0">
+                <a:latin typeface="微軟正黑體" panose="020B0604030504040204" pitchFamily="34" charset="-120"/>
+                <a:ea typeface="微軟正黑體" panose="020B0604030504040204" pitchFamily="34" charset="-120"/>
+              </a:rPr>
+              <a:t>完成部分細節</a:t>
+            </a:r>
+            <a:endParaRPr lang="zh-TW" altLang="en-US" sz="4000" dirty="0">
+              <a:latin typeface="微軟正黑體" panose="020B0604030504040204" pitchFamily="34" charset="-120"/>
+              <a:ea typeface="微軟正黑體" panose="020B0604030504040204" pitchFamily="34" charset="-120"/>
+            </a:endParaRPr>
+          </a:p>
+        </p:txBody>
+      </p:sp>
+      <p:sp>
+        <p:nvSpPr>
+          <p:cNvPr id="2" name="文本框 1">
+            <a:extLst>
+              <a:ext uri="{FF2B5EF4-FFF2-40B4-BE49-F238E27FC236}">
+                <a16:creationId xmlns:a16="http://schemas.microsoft.com/office/drawing/2014/main" id="{02F97A2B-0882-43DF-A966-CC2F4096B9AE}"/>
+              </a:ext>
+            </a:extLst>
+          </p:cNvPr>
+          <p:cNvSpPr txBox="1"/>
+          <p:nvPr/>
+        </p:nvSpPr>
+        <p:spPr>
+          <a:xfrm>
+            <a:off x="1012054" y="2201662"/>
+            <a:ext cx="9490229" cy="3416320"/>
+          </a:xfrm>
+          <a:prstGeom prst="rect">
+            <a:avLst/>
+          </a:prstGeom>
+          <a:noFill/>
+        </p:spPr>
+        <p:txBody>
+          <a:bodyPr wrap="square" rtlCol="0">
+            <a:spAutoFit/>
+          </a:bodyPr>
+          <a:lstStyle/>
+          <a:p>
+            <a:r>
+              <a:rPr lang="zh-TW" altLang="en-US" dirty="0">
+                <a:latin typeface="微軟正黑體" panose="020B0604030504040204" pitchFamily="34" charset="-120"/>
+                <a:ea typeface="微軟正黑體" panose="020B0604030504040204" pitchFamily="34" charset="-120"/>
+              </a:rPr>
+              <a:t>模板的</a:t>
+            </a:r>
+            <a:r>
+              <a:rPr lang="en-US" altLang="zh-TW" dirty="0">
+                <a:latin typeface="微軟正黑體" panose="020B0604030504040204" pitchFamily="34" charset="-120"/>
+                <a:ea typeface="微軟正黑體" panose="020B0604030504040204" pitchFamily="34" charset="-120"/>
+              </a:rPr>
+              <a:t>speakers</a:t>
+            </a:r>
+            <a:r>
+              <a:rPr lang="zh-TW" altLang="en-US" dirty="0">
+                <a:latin typeface="微軟正黑體" panose="020B0604030504040204" pitchFamily="34" charset="-120"/>
+                <a:ea typeface="微軟正黑體" panose="020B0604030504040204" pitchFamily="34" charset="-120"/>
+              </a:rPr>
+              <a:t>部分的資料放在資料庫裡</a:t>
+            </a:r>
+            <a:endParaRPr lang="en-US" altLang="zh-TW" dirty="0">
+              <a:latin typeface="微軟正黑體" panose="020B0604030504040204" pitchFamily="34" charset="-120"/>
+              <a:ea typeface="微軟正黑體" panose="020B0604030504040204" pitchFamily="34" charset="-120"/>
+            </a:endParaRPr>
+          </a:p>
+          <a:p>
+            <a:r>
+              <a:rPr lang="en-US" altLang="zh-TW" dirty="0">
+                <a:latin typeface="微軟正黑體" panose="020B0604030504040204" pitchFamily="34" charset="-120"/>
+                <a:ea typeface="微軟正黑體" panose="020B0604030504040204" pitchFamily="34" charset="-120"/>
+              </a:rPr>
+              <a:t>Table</a:t>
+            </a:r>
+            <a:r>
+              <a:rPr lang="zh-TW" altLang="en-US" dirty="0">
+                <a:latin typeface="微軟正黑體" panose="020B0604030504040204" pitchFamily="34" charset="-120"/>
+                <a:ea typeface="微軟正黑體" panose="020B0604030504040204" pitchFamily="34" charset="-120"/>
+              </a:rPr>
+              <a:t>點進去會有從資料庫抓來的</a:t>
+            </a:r>
+            <a:r>
+              <a:rPr lang="en-US" altLang="zh-TW" dirty="0">
+                <a:latin typeface="微軟正黑體" panose="020B0604030504040204" pitchFamily="34" charset="-120"/>
+                <a:ea typeface="微軟正黑體" panose="020B0604030504040204" pitchFamily="34" charset="-120"/>
+              </a:rPr>
+              <a:t>speakers</a:t>
+            </a:r>
+            <a:r>
+              <a:rPr lang="zh-TW" altLang="en-US" dirty="0">
+                <a:latin typeface="微軟正黑體" panose="020B0604030504040204" pitchFamily="34" charset="-120"/>
+                <a:ea typeface="微軟正黑體" panose="020B0604030504040204" pitchFamily="34" charset="-120"/>
+              </a:rPr>
+              <a:t>的資料</a:t>
+            </a:r>
+            <a:endParaRPr lang="en-US" altLang="zh-TW" dirty="0">
+              <a:latin typeface="微軟正黑體" panose="020B0604030504040204" pitchFamily="34" charset="-120"/>
+              <a:ea typeface="微軟正黑體" panose="020B0604030504040204" pitchFamily="34" charset="-120"/>
+            </a:endParaRPr>
+          </a:p>
+          <a:p>
+            <a:r>
+              <a:rPr lang="en-US" altLang="zh-TW" dirty="0">
+                <a:latin typeface="微軟正黑體" panose="020B0604030504040204" pitchFamily="34" charset="-120"/>
+                <a:ea typeface="微軟正黑體" panose="020B0604030504040204" pitchFamily="34" charset="-120"/>
+              </a:rPr>
+              <a:t>My Project </a:t>
+            </a:r>
+            <a:r>
+              <a:rPr lang="zh-TW" altLang="en-US" dirty="0">
+                <a:latin typeface="微軟正黑體" panose="020B0604030504040204" pitchFamily="34" charset="-120"/>
+                <a:ea typeface="微軟正黑體" panose="020B0604030504040204" pitchFamily="34" charset="-120"/>
+              </a:rPr>
+              <a:t>裡面有</a:t>
+            </a:r>
+            <a:r>
+              <a:rPr lang="en-US" altLang="zh-TW" dirty="0">
+                <a:latin typeface="微軟正黑體" panose="020B0604030504040204" pitchFamily="34" charset="-120"/>
+                <a:ea typeface="微軟正黑體" panose="020B0604030504040204" pitchFamily="34" charset="-120"/>
+              </a:rPr>
+              <a:t>7</a:t>
+            </a:r>
+            <a:r>
+              <a:rPr lang="zh-TW" altLang="en-US" dirty="0">
+                <a:latin typeface="微軟正黑體" panose="020B0604030504040204" pitchFamily="34" charset="-120"/>
+                <a:ea typeface="微軟正黑體" panose="020B0604030504040204" pitchFamily="34" charset="-120"/>
+              </a:rPr>
+              <a:t>個上課做的項目</a:t>
+            </a:r>
+            <a:endParaRPr lang="en-US" altLang="zh-TW" dirty="0">
+              <a:latin typeface="微軟正黑體" panose="020B0604030504040204" pitchFamily="34" charset="-120"/>
+              <a:ea typeface="微軟正黑體" panose="020B0604030504040204" pitchFamily="34" charset="-120"/>
+            </a:endParaRPr>
+          </a:p>
+          <a:p>
+            <a:r>
+              <a:rPr lang="zh-TW" altLang="en-US" dirty="0">
+                <a:latin typeface="微軟正黑體" panose="020B0604030504040204" pitchFamily="34" charset="-120"/>
+                <a:ea typeface="微軟正黑體" panose="020B0604030504040204" pitchFamily="34" charset="-120"/>
+              </a:rPr>
+              <a:t>還有期中做的</a:t>
+            </a:r>
+            <a:r>
+              <a:rPr lang="en-US" altLang="zh-TW" dirty="0">
+                <a:latin typeface="微軟正黑體" panose="020B0604030504040204" pitchFamily="34" charset="-120"/>
+                <a:ea typeface="微軟正黑體" panose="020B0604030504040204" pitchFamily="34" charset="-120"/>
+              </a:rPr>
+              <a:t>My Class</a:t>
+            </a:r>
+            <a:r>
+              <a:rPr lang="zh-TW" altLang="en-US" dirty="0">
+                <a:latin typeface="微軟正黑體" panose="020B0604030504040204" pitchFamily="34" charset="-120"/>
+                <a:ea typeface="微軟正黑體" panose="020B0604030504040204" pitchFamily="34" charset="-120"/>
+              </a:rPr>
+              <a:t>和</a:t>
+            </a:r>
+            <a:r>
+              <a:rPr lang="en-US" altLang="zh-TW" dirty="0" err="1">
+                <a:latin typeface="微軟正黑體" panose="020B0604030504040204" pitchFamily="34" charset="-120"/>
+                <a:ea typeface="微軟正黑體" panose="020B0604030504040204" pitchFamily="34" charset="-120"/>
+              </a:rPr>
+              <a:t>MyResume</a:t>
+            </a:r>
+            <a:endParaRPr lang="en-US" altLang="zh-TW" dirty="0">
+              <a:latin typeface="微軟正黑體" panose="020B0604030504040204" pitchFamily="34" charset="-120"/>
+              <a:ea typeface="微軟正黑體" panose="020B0604030504040204" pitchFamily="34" charset="-120"/>
+            </a:endParaRPr>
+          </a:p>
+          <a:p>
+            <a:r>
+              <a:rPr lang="zh-TW" altLang="en-US" dirty="0">
+                <a:latin typeface="微軟正黑體" panose="020B0604030504040204" pitchFamily="34" charset="-120"/>
+                <a:ea typeface="微軟正黑體" panose="020B0604030504040204" pitchFamily="34" charset="-120"/>
+              </a:rPr>
+              <a:t>資料庫裡面存的是各項目的名字和圖片還有檔案名字</a:t>
+            </a:r>
+            <a:endParaRPr lang="en-US" altLang="zh-TW" dirty="0">
+              <a:latin typeface="微軟正黑體" panose="020B0604030504040204" pitchFamily="34" charset="-120"/>
+              <a:ea typeface="微軟正黑體" panose="020B0604030504040204" pitchFamily="34" charset="-120"/>
+            </a:endParaRPr>
+          </a:p>
+          <a:p>
+            <a:r>
+              <a:rPr lang="zh-TW" altLang="en-US" dirty="0">
+                <a:latin typeface="微軟正黑體" panose="020B0604030504040204" pitchFamily="34" charset="-120"/>
+                <a:ea typeface="微軟正黑體" panose="020B0604030504040204" pitchFamily="34" charset="-120"/>
+              </a:rPr>
+              <a:t>以</a:t>
+            </a:r>
+            <a:r>
+              <a:rPr lang="en-US" altLang="zh-TW" dirty="0">
+                <a:latin typeface="微軟正黑體" panose="020B0604030504040204" pitchFamily="34" charset="-120"/>
+                <a:ea typeface="微軟正黑體" panose="020B0604030504040204" pitchFamily="34" charset="-120"/>
+              </a:rPr>
+              <a:t>card</a:t>
+            </a:r>
+            <a:r>
+              <a:rPr lang="zh-TW" altLang="en-US" dirty="0">
+                <a:latin typeface="微軟正黑體" panose="020B0604030504040204" pitchFamily="34" charset="-120"/>
+                <a:ea typeface="微軟正黑體" panose="020B0604030504040204" pitchFamily="34" charset="-120"/>
+              </a:rPr>
+              <a:t>形式呈現，各</a:t>
+            </a:r>
+            <a:r>
+              <a:rPr lang="en-US" altLang="zh-TW" dirty="0">
+                <a:latin typeface="微軟正黑體" panose="020B0604030504040204" pitchFamily="34" charset="-120"/>
+                <a:ea typeface="微軟正黑體" panose="020B0604030504040204" pitchFamily="34" charset="-120"/>
+              </a:rPr>
+              <a:t>card</a:t>
+            </a:r>
+            <a:r>
+              <a:rPr lang="zh-TW" altLang="en-US" dirty="0">
+                <a:latin typeface="微軟正黑體" panose="020B0604030504040204" pitchFamily="34" charset="-120"/>
+                <a:ea typeface="微軟正黑體" panose="020B0604030504040204" pitchFamily="34" charset="-120"/>
+              </a:rPr>
+              <a:t>的資料都是從資料庫抓來的</a:t>
+            </a:r>
+            <a:endParaRPr lang="en-US" altLang="zh-TW" dirty="0">
+              <a:latin typeface="微軟正黑體" panose="020B0604030504040204" pitchFamily="34" charset="-120"/>
+              <a:ea typeface="微軟正黑體" panose="020B0604030504040204" pitchFamily="34" charset="-120"/>
+            </a:endParaRPr>
+          </a:p>
+          <a:p>
+            <a:r>
+              <a:rPr lang="zh-TW" altLang="en-US" dirty="0">
+                <a:latin typeface="微軟正黑體" panose="020B0604030504040204" pitchFamily="34" charset="-120"/>
+                <a:ea typeface="微軟正黑體" panose="020B0604030504040204" pitchFamily="34" charset="-120"/>
+              </a:rPr>
+              <a:t>每個</a:t>
+            </a:r>
+            <a:r>
+              <a:rPr lang="en-US" altLang="zh-TW" dirty="0">
+                <a:latin typeface="微軟正黑體" panose="020B0604030504040204" pitchFamily="34" charset="-120"/>
+                <a:ea typeface="微軟正黑體" panose="020B0604030504040204" pitchFamily="34" charset="-120"/>
+              </a:rPr>
+              <a:t>project</a:t>
+            </a:r>
+            <a:r>
+              <a:rPr lang="zh-TW" altLang="en-US" dirty="0">
+                <a:latin typeface="微軟正黑體" panose="020B0604030504040204" pitchFamily="34" charset="-120"/>
+                <a:ea typeface="微軟正黑體" panose="020B0604030504040204" pitchFamily="34" charset="-120"/>
+              </a:rPr>
+              <a:t>上方都有一個</a:t>
+            </a:r>
+            <a:r>
+              <a:rPr lang="en-US" altLang="zh-TW" dirty="0">
+                <a:latin typeface="微軟正黑體" panose="020B0604030504040204" pitchFamily="34" charset="-120"/>
+                <a:ea typeface="微軟正黑體" panose="020B0604030504040204" pitchFamily="34" charset="-120"/>
+              </a:rPr>
+              <a:t>Navbar</a:t>
+            </a:r>
+          </a:p>
+          <a:p>
+            <a:r>
+              <a:rPr lang="zh-TW" altLang="en-US" dirty="0">
+                <a:latin typeface="微軟正黑體" panose="020B0604030504040204" pitchFamily="34" charset="-120"/>
+                <a:ea typeface="微軟正黑體" panose="020B0604030504040204" pitchFamily="34" charset="-120"/>
+              </a:rPr>
+              <a:t>可以互相連結也可以返回</a:t>
+            </a:r>
+            <a:r>
+              <a:rPr lang="en-US" altLang="zh-TW" dirty="0">
+                <a:latin typeface="微軟正黑體" panose="020B0604030504040204" pitchFamily="34" charset="-120"/>
+                <a:ea typeface="微軟正黑體" panose="020B0604030504040204" pitchFamily="34" charset="-120"/>
+              </a:rPr>
+              <a:t>home</a:t>
+            </a:r>
+            <a:r>
+              <a:rPr lang="zh-TW" altLang="en-US" dirty="0">
+                <a:latin typeface="微軟正黑體" panose="020B0604030504040204" pitchFamily="34" charset="-120"/>
+                <a:ea typeface="微軟正黑體" panose="020B0604030504040204" pitchFamily="34" charset="-120"/>
+              </a:rPr>
+              <a:t>或</a:t>
+            </a:r>
+            <a:r>
+              <a:rPr lang="en-US" altLang="zh-TW" dirty="0">
+                <a:latin typeface="微軟正黑體" panose="020B0604030504040204" pitchFamily="34" charset="-120"/>
+                <a:ea typeface="微軟正黑體" panose="020B0604030504040204" pitchFamily="34" charset="-120"/>
+              </a:rPr>
+              <a:t>My Project</a:t>
+            </a:r>
+          </a:p>
+          <a:p>
+            <a:r>
+              <a:rPr lang="zh-CN" altLang="en-US" dirty="0">
+                <a:latin typeface="微軟正黑體" panose="020B0604030504040204" pitchFamily="34" charset="-120"/>
+                <a:ea typeface="微軟正黑體" panose="020B0604030504040204" pitchFamily="34" charset="-120"/>
+              </a:rPr>
+              <a:t>最上層目錄的</a:t>
+            </a:r>
+            <a:r>
+              <a:rPr lang="en-US" altLang="zh-CN" dirty="0">
+                <a:latin typeface="微軟正黑體" panose="020B0604030504040204" pitchFamily="34" charset="-120"/>
+                <a:ea typeface="微軟正黑體" panose="020B0604030504040204" pitchFamily="34" charset="-120"/>
+              </a:rPr>
+              <a:t>407411387.sql</a:t>
+            </a:r>
+            <a:r>
+              <a:rPr lang="zh-CN" altLang="en-US" dirty="0">
+                <a:latin typeface="微軟正黑體" panose="020B0604030504040204" pitchFamily="34" charset="-120"/>
+                <a:ea typeface="微軟正黑體" panose="020B0604030504040204" pitchFamily="34" charset="-120"/>
+              </a:rPr>
+              <a:t>文件夾裡面放著兩個匯出的</a:t>
+            </a:r>
+            <a:r>
+              <a:rPr lang="en-US" altLang="zh-CN" dirty="0">
+                <a:latin typeface="微軟正黑體" panose="020B0604030504040204" pitchFamily="34" charset="-120"/>
+                <a:ea typeface="微軟正黑體" panose="020B0604030504040204" pitchFamily="34" charset="-120"/>
+              </a:rPr>
+              <a:t>table</a:t>
+            </a:r>
+            <a:endParaRPr lang="en-US" altLang="zh-TW" dirty="0">
+              <a:latin typeface="微軟正黑體" panose="020B0604030504040204" pitchFamily="34" charset="-120"/>
+              <a:ea typeface="微軟正黑體" panose="020B0604030504040204" pitchFamily="34" charset="-120"/>
+            </a:endParaRPr>
+          </a:p>
+          <a:p>
+            <a:r>
+              <a:rPr lang="zh-CN" altLang="en-US" dirty="0">
+                <a:latin typeface="微軟正黑體" panose="020B0604030504040204" pitchFamily="34" charset="-120"/>
+                <a:ea typeface="微軟正黑體" panose="020B0604030504040204" pitchFamily="34" charset="-120"/>
+              </a:rPr>
+              <a:t>上傳</a:t>
+            </a:r>
+            <a:r>
+              <a:rPr lang="en-US" altLang="zh-CN" dirty="0" err="1">
+                <a:latin typeface="微軟正黑體" panose="020B0604030504040204" pitchFamily="34" charset="-120"/>
+                <a:ea typeface="微軟正黑體" panose="020B0604030504040204" pitchFamily="34" charset="-120"/>
+              </a:rPr>
+              <a:t>iclass</a:t>
+            </a:r>
+            <a:r>
+              <a:rPr lang="zh-CN" altLang="en-US" dirty="0">
+                <a:latin typeface="微軟正黑體" panose="020B0604030504040204" pitchFamily="34" charset="-120"/>
+                <a:ea typeface="微軟正黑體" panose="020B0604030504040204" pitchFamily="34" charset="-120"/>
+              </a:rPr>
+              <a:t>的壓縮檔實在沒什麼好刪的了就分了兩個上傳</a:t>
+            </a:r>
+            <a:endParaRPr lang="en-US" altLang="zh-CN" dirty="0">
+              <a:latin typeface="微軟正黑體" panose="020B0604030504040204" pitchFamily="34" charset="-120"/>
+              <a:ea typeface="微軟正黑體" panose="020B0604030504040204" pitchFamily="34" charset="-120"/>
+            </a:endParaRPr>
+          </a:p>
+          <a:p>
+            <a:r>
+              <a:rPr lang="zh-CN" altLang="en-US" dirty="0">
+                <a:latin typeface="微軟正黑體" panose="020B0604030504040204" pitchFamily="34" charset="-120"/>
+                <a:ea typeface="微軟正黑體" panose="020B0604030504040204" pitchFamily="34" charset="-120"/>
+              </a:rPr>
+              <a:t>有照著目錄順序放所以直接合併文件夾就可以了</a:t>
+            </a:r>
+            <a:endParaRPr lang="en-US" altLang="zh-CN" dirty="0">
+              <a:latin typeface="微軟正黑體" panose="020B0604030504040204" pitchFamily="34" charset="-120"/>
+              <a:ea typeface="微軟正黑體" panose="020B0604030504040204" pitchFamily="34" charset="-120"/>
+            </a:endParaRPr>
+          </a:p>
+          <a:p>
+            <a:r>
+              <a:rPr lang="zh-CN" altLang="en-US" dirty="0">
+                <a:latin typeface="微軟正黑體" panose="020B0604030504040204" pitchFamily="34" charset="-120"/>
+                <a:ea typeface="微軟正黑體" panose="020B0604030504040204" pitchFamily="34" charset="-120"/>
+              </a:rPr>
+              <a:t>下面是</a:t>
+            </a:r>
+            <a:r>
+              <a:rPr lang="en-US" altLang="zh-CN" dirty="0">
+                <a:latin typeface="微軟正黑體" panose="020B0604030504040204" pitchFamily="34" charset="-120"/>
+                <a:ea typeface="微軟正黑體" panose="020B0604030504040204" pitchFamily="34" charset="-120"/>
+              </a:rPr>
+              <a:t>database</a:t>
+            </a:r>
+            <a:r>
+              <a:rPr lang="zh-CN" altLang="en-US" dirty="0">
+                <a:latin typeface="微軟正黑體" panose="020B0604030504040204" pitchFamily="34" charset="-120"/>
+                <a:ea typeface="微軟正黑體" panose="020B0604030504040204" pitchFamily="34" charset="-120"/>
+              </a:rPr>
+              <a:t>和成品的截圖</a:t>
+            </a:r>
+            <a:endParaRPr lang="en-US" altLang="zh-CN" dirty="0">
+              <a:latin typeface="微軟正黑體" panose="020B0604030504040204" pitchFamily="34" charset="-120"/>
+              <a:ea typeface="微軟正黑體" panose="020B0604030504040204" pitchFamily="34" charset="-120"/>
+            </a:endParaRPr>
+          </a:p>
+        </p:txBody>
+      </p:sp>
+    </p:spTree>
+    <p:extLst>
+      <p:ext uri="{BB962C8B-B14F-4D97-AF65-F5344CB8AC3E}">
+        <p14:creationId xmlns:p14="http://schemas.microsoft.com/office/powerpoint/2010/main" val="3814888142"/>
+      </p:ext>
+    </p:extLst>
+  </p:cSld>
+  <p:clrMapOvr>
+    <a:masterClrMapping/>
+  </p:clrMapOvr>
+</p:sld>
+</file>
+
+<file path=ppt/slides/slide3.xml><?xml version="1.0" encoding="utf-8"?>
+<p:sld xmlns:a="http://schemas.openxmlformats.org/drawingml/2006/main" xmlns:r="http://schemas.openxmlformats.org/officeDocument/2006/relationships" xmlns:p="http://schemas.openxmlformats.org/presentationml/2006/main">
+  <p:cSld>
+    <p:spTree>
+      <p:nvGrpSpPr>
+        <p:cNvPr id="1" name=""/>
+        <p:cNvGrpSpPr/>
+        <p:nvPr/>
+      </p:nvGrpSpPr>
+      <p:grpSpPr>
+        <a:xfrm>
+          <a:off x="0" y="0"/>
+          <a:ext cx="0" cy="0"/>
+          <a:chOff x="0" y="0"/>
+          <a:chExt cx="0" cy="0"/>
+        </a:xfrm>
+      </p:grpSpPr>
+      <p:sp>
+        <p:nvSpPr>
+          <p:cNvPr id="8" name="文本框 7">
+            <a:extLst>
+              <a:ext uri="{FF2B5EF4-FFF2-40B4-BE49-F238E27FC236}">
+                <a16:creationId xmlns:a16="http://schemas.microsoft.com/office/drawing/2014/main" id="{15F2A0A1-8616-484D-B185-C2F08B5C1429}"/>
+              </a:ext>
+            </a:extLst>
+          </p:cNvPr>
+          <p:cNvSpPr txBox="1"/>
+          <p:nvPr/>
+        </p:nvSpPr>
+        <p:spPr>
+          <a:xfrm>
+            <a:off x="497149" y="594804"/>
+            <a:ext cx="6667130" cy="707886"/>
+          </a:xfrm>
+          <a:prstGeom prst="rect">
+            <a:avLst/>
+          </a:prstGeom>
+          <a:noFill/>
+        </p:spPr>
+        <p:txBody>
+          <a:bodyPr wrap="square" rtlCol="0">
+            <a:spAutoFit/>
+          </a:bodyPr>
+          <a:lstStyle/>
+          <a:p>
+            <a:r>
               <a:rPr lang="en-US" altLang="zh-CN" sz="4000" dirty="0">
                 <a:latin typeface="微軟正黑體" panose="020B0604030504040204" pitchFamily="34" charset="-120"/>
                 <a:ea typeface="微軟正黑體" panose="020B0604030504040204" pitchFamily="34" charset="-120"/>
@@ -5619,7 +6070,7 @@
 </p:sld>
 </file>
 
-<file path=ppt/slides/slide3.xml><?xml version="1.0" encoding="utf-8"?>
+<file path=ppt/slides/slide4.xml><?xml version="1.0" encoding="utf-8"?>
 <p:sld xmlns:a="http://schemas.openxmlformats.org/drawingml/2006/main" xmlns:r="http://schemas.openxmlformats.org/officeDocument/2006/relationships" xmlns:p="http://schemas.openxmlformats.org/presentationml/2006/main">
   <p:cSld>
     <p:spTree>
@@ -5741,7 +6192,7 @@
 </p:sld>
 </file>
 
-<file path=ppt/slides/slide4.xml><?xml version="1.0" encoding="utf-8"?>
+<file path=ppt/slides/slide5.xml><?xml version="1.0" encoding="utf-8"?>
 <p:sld xmlns:a="http://schemas.openxmlformats.org/drawingml/2006/main" xmlns:r="http://schemas.openxmlformats.org/officeDocument/2006/relationships" xmlns:p="http://schemas.openxmlformats.org/presentationml/2006/main">
   <p:cSld>
     <p:spTree>
@@ -5856,7 +6307,7 @@
 </p:sld>
 </file>
 
-<file path=ppt/slides/slide5.xml><?xml version="1.0" encoding="utf-8"?>
+<file path=ppt/slides/slide6.xml><?xml version="1.0" encoding="utf-8"?>
 <p:sld xmlns:a="http://schemas.openxmlformats.org/drawingml/2006/main" xmlns:r="http://schemas.openxmlformats.org/officeDocument/2006/relationships" xmlns:p="http://schemas.openxmlformats.org/presentationml/2006/main">
   <p:cSld>
     <p:spTree>
@@ -5971,7 +6422,7 @@
 </p:sld>
 </file>
 
-<file path=ppt/slides/slide6.xml><?xml version="1.0" encoding="utf-8"?>
+<file path=ppt/slides/slide7.xml><?xml version="1.0" encoding="utf-8"?>
 <p:sld xmlns:a="http://schemas.openxmlformats.org/drawingml/2006/main" xmlns:r="http://schemas.openxmlformats.org/officeDocument/2006/relationships" xmlns:p="http://schemas.openxmlformats.org/presentationml/2006/main">
   <p:cSld>
     <p:spTree>
@@ -6086,7 +6537,7 @@
 </p:sld>
 </file>
 
-<file path=ppt/slides/slide7.xml><?xml version="1.0" encoding="utf-8"?>
+<file path=ppt/slides/slide8.xml><?xml version="1.0" encoding="utf-8"?>
 <p:sld xmlns:a="http://schemas.openxmlformats.org/drawingml/2006/main" xmlns:r="http://schemas.openxmlformats.org/officeDocument/2006/relationships" xmlns:p="http://schemas.openxmlformats.org/presentationml/2006/main">
   <p:cSld>
     <p:spTree>
